--- a/lectures/01_linear_regression_concept/linear_regression.pptx
+++ b/lectures/01_linear_regression_concept/linear_regression.pptx
@@ -133,18 +133,18 @@
   <pc:docChgLst>
     <pc:chgData name="Weifeng Xu" userId="e7aed605-a3dd-4d5a-a692-a87037af107b" providerId="ADAL" clId="{9C06CBEB-0343-4287-8B81-0C702673DE5E}"/>
     <pc:docChg chg="undo redo custSel addSld delSld modSld sldOrd">
-      <pc:chgData name="Weifeng Xu" userId="e7aed605-a3dd-4d5a-a692-a87037af107b" providerId="ADAL" clId="{9C06CBEB-0343-4287-8B81-0C702673DE5E}" dt="2025-04-26T19:34:19.596" v="4735" actId="14100"/>
+      <pc:chgData name="Weifeng Xu" userId="e7aed605-a3dd-4d5a-a692-a87037af107b" providerId="ADAL" clId="{9C06CBEB-0343-4287-8B81-0C702673DE5E}" dt="2025-05-15T00:31:37.291" v="4738" actId="20577"/>
       <pc:docMkLst>
         <pc:docMk/>
       </pc:docMkLst>
       <pc:sldChg chg="modSp mod">
-        <pc:chgData name="Weifeng Xu" userId="e7aed605-a3dd-4d5a-a692-a87037af107b" providerId="ADAL" clId="{9C06CBEB-0343-4287-8B81-0C702673DE5E}" dt="2025-04-26T15:28:34.614" v="4602" actId="313"/>
+        <pc:chgData name="Weifeng Xu" userId="e7aed605-a3dd-4d5a-a692-a87037af107b" providerId="ADAL" clId="{9C06CBEB-0343-4287-8B81-0C702673DE5E}" dt="2025-05-15T00:31:37.291" v="4738" actId="20577"/>
         <pc:sldMkLst>
           <pc:docMk/>
           <pc:sldMk cId="1325061211" sldId="256"/>
         </pc:sldMkLst>
         <pc:spChg chg="mod">
-          <ac:chgData name="Weifeng Xu" userId="e7aed605-a3dd-4d5a-a692-a87037af107b" providerId="ADAL" clId="{9C06CBEB-0343-4287-8B81-0C702673DE5E}" dt="2025-04-26T15:28:34.614" v="4602" actId="313"/>
+          <ac:chgData name="Weifeng Xu" userId="e7aed605-a3dd-4d5a-a692-a87037af107b" providerId="ADAL" clId="{9C06CBEB-0343-4287-8B81-0C702673DE5E}" dt="2025-05-15T00:31:37.291" v="4738" actId="20577"/>
           <ac:spMkLst>
             <pc:docMk/>
             <pc:sldMk cId="1325061211" sldId="256"/>
@@ -1653,7 +1653,7 @@
           <a:p>
             <a:fld id="{2A59A54D-A59E-4D85-AEC9-D5AFF867AB55}" type="datetimeFigureOut">
               <a:rPr lang="en-US" smtClean="0"/>
-              <a:t>4/26/2025</a:t>
+              <a:t>5/14/2025</a:t>
             </a:fld>
             <a:endParaRPr lang="en-US"/>
           </a:p>
@@ -2049,7 +2049,7 @@
           <a:p>
             <a:fld id="{4263717A-E3C1-4BED-ABE0-B7069385E023}" type="datetimeFigureOut">
               <a:rPr lang="en-US" smtClean="0"/>
-              <a:t>4/26/2025</a:t>
+              <a:t>5/14/2025</a:t>
             </a:fld>
             <a:endParaRPr lang="en-US"/>
           </a:p>
@@ -2222,7 +2222,7 @@
           <a:p>
             <a:fld id="{4263717A-E3C1-4BED-ABE0-B7069385E023}" type="datetimeFigureOut">
               <a:rPr lang="en-US" smtClean="0"/>
-              <a:t>4/26/2025</a:t>
+              <a:t>5/14/2025</a:t>
             </a:fld>
             <a:endParaRPr lang="en-US"/>
           </a:p>
@@ -2400,7 +2400,7 @@
           <a:p>
             <a:fld id="{4263717A-E3C1-4BED-ABE0-B7069385E023}" type="datetimeFigureOut">
               <a:rPr lang="en-US" smtClean="0"/>
-              <a:t>4/26/2025</a:t>
+              <a:t>5/14/2025</a:t>
             </a:fld>
             <a:endParaRPr lang="en-US"/>
           </a:p>
@@ -2568,7 +2568,7 @@
           <a:p>
             <a:fld id="{4263717A-E3C1-4BED-ABE0-B7069385E023}" type="datetimeFigureOut">
               <a:rPr lang="en-US" smtClean="0"/>
-              <a:t>4/26/2025</a:t>
+              <a:t>5/14/2025</a:t>
             </a:fld>
             <a:endParaRPr lang="en-US"/>
           </a:p>
@@ -2813,7 +2813,7 @@
           <a:p>
             <a:fld id="{4263717A-E3C1-4BED-ABE0-B7069385E023}" type="datetimeFigureOut">
               <a:rPr lang="en-US" smtClean="0"/>
-              <a:t>4/26/2025</a:t>
+              <a:t>5/14/2025</a:t>
             </a:fld>
             <a:endParaRPr lang="en-US"/>
           </a:p>
@@ -3042,7 +3042,7 @@
           <a:p>
             <a:fld id="{4263717A-E3C1-4BED-ABE0-B7069385E023}" type="datetimeFigureOut">
               <a:rPr lang="en-US" smtClean="0"/>
-              <a:t>4/26/2025</a:t>
+              <a:t>5/14/2025</a:t>
             </a:fld>
             <a:endParaRPr lang="en-US"/>
           </a:p>
@@ -3406,7 +3406,7 @@
           <a:p>
             <a:fld id="{4263717A-E3C1-4BED-ABE0-B7069385E023}" type="datetimeFigureOut">
               <a:rPr lang="en-US" smtClean="0"/>
-              <a:t>4/26/2025</a:t>
+              <a:t>5/14/2025</a:t>
             </a:fld>
             <a:endParaRPr lang="en-US"/>
           </a:p>
@@ -3523,7 +3523,7 @@
           <a:p>
             <a:fld id="{4263717A-E3C1-4BED-ABE0-B7069385E023}" type="datetimeFigureOut">
               <a:rPr lang="en-US" smtClean="0"/>
-              <a:t>4/26/2025</a:t>
+              <a:t>5/14/2025</a:t>
             </a:fld>
             <a:endParaRPr lang="en-US"/>
           </a:p>
@@ -3618,7 +3618,7 @@
           <a:p>
             <a:fld id="{4263717A-E3C1-4BED-ABE0-B7069385E023}" type="datetimeFigureOut">
               <a:rPr lang="en-US" smtClean="0"/>
-              <a:t>4/26/2025</a:t>
+              <a:t>5/14/2025</a:t>
             </a:fld>
             <a:endParaRPr lang="en-US"/>
           </a:p>
@@ -3893,7 +3893,7 @@
           <a:p>
             <a:fld id="{4263717A-E3C1-4BED-ABE0-B7069385E023}" type="datetimeFigureOut">
               <a:rPr lang="en-US" smtClean="0"/>
-              <a:t>4/26/2025</a:t>
+              <a:t>5/14/2025</a:t>
             </a:fld>
             <a:endParaRPr lang="en-US"/>
           </a:p>
@@ -4145,7 +4145,7 @@
           <a:p>
             <a:fld id="{4263717A-E3C1-4BED-ABE0-B7069385E023}" type="datetimeFigureOut">
               <a:rPr lang="en-US" smtClean="0"/>
-              <a:t>4/26/2025</a:t>
+              <a:t>5/14/2025</a:t>
             </a:fld>
             <a:endParaRPr lang="en-US"/>
           </a:p>
@@ -4364,7 +4364,7 @@
           <a:p>
             <a:fld id="{4263717A-E3C1-4BED-ABE0-B7069385E023}" type="datetimeFigureOut">
               <a:rPr lang="en-US" smtClean="0"/>
-              <a:t>4/26/2025</a:t>
+              <a:t>5/14/2025</a:t>
             </a:fld>
             <a:endParaRPr lang="en-US"/>
           </a:p>
@@ -4827,7 +4827,7 @@
           <a:p>
             <a:r>
               <a:rPr lang="en-US" dirty="0"/>
-              <a:t>Predation with Linear Regression</a:t>
+              <a:t>Prediction with Linear Regression</a:t>
             </a:r>
           </a:p>
         </p:txBody>
